--- a/presentations/wozniak-lbl.pptx
+++ b/presentations/wozniak-lbl.pptx
@@ -11,7 +11,7 @@
     <p:handoutMasterId r:id="rId5"/>
   </p:handoutMasterIdLst>
   <p:sldIdLst>
-    <p:sldId id="816" r:id="rId2"/>
+    <p:sldId id="835" r:id="rId2"/>
     <p:sldId id="834" r:id="rId3"/>
   </p:sldIdLst>
   <p:sldSz cx="9144000" cy="6858000" type="screen4x3"/>
@@ -378,7 +378,7 @@
     </p:spTree>
     <p:extLst>
       <p:ext uri="{BB962C8B-B14F-4D97-AF65-F5344CB8AC3E}">
-        <p14:creationId xmlns:mc="http://schemas.openxmlformats.org/markup-compatibility/2006" xmlns:mv="urn:schemas-microsoft-com:mac:vml" xmlns:p14="http://schemas.microsoft.com/office/powerpoint/2010/main" xmlns="" val="1178751867"/>
+        <p14:creationId xmlns="" xmlns:p14="http://schemas.microsoft.com/office/powerpoint/2010/main" xmlns:mv="urn:schemas-microsoft-com:mac:vml" xmlns:mc="http://schemas.openxmlformats.org/markup-compatibility/2006" val="1178751867"/>
       </p:ext>
     </p:extLst>
   </p:cSld>
@@ -717,7 +717,7 @@
     </p:spTree>
     <p:extLst>
       <p:ext uri="{BB962C8B-B14F-4D97-AF65-F5344CB8AC3E}">
-        <p14:creationId xmlns:mc="http://schemas.openxmlformats.org/markup-compatibility/2006" xmlns:mv="urn:schemas-microsoft-com:mac:vml" xmlns:p14="http://schemas.microsoft.com/office/powerpoint/2010/main" xmlns="" val="3283455778"/>
+        <p14:creationId xmlns="" xmlns:p14="http://schemas.microsoft.com/office/powerpoint/2010/main" xmlns:mv="urn:schemas-microsoft-com:mac:vml" xmlns:mc="http://schemas.openxmlformats.org/markup-compatibility/2006" val="3283455778"/>
       </p:ext>
     </p:extLst>
   </p:cSld>
@@ -1891,7 +1891,7 @@
           <p:nvPr userDrawn="1"/>
         </p:nvPicPr>
         <mc:AlternateContent xmlns:mc="http://schemas.openxmlformats.org/markup-compatibility/2006">
-          <mc:Choice xmlns="" xmlns:mv="urn:schemas-microsoft-com:mac:vml" xmlns:ma="http://schemas.microsoft.com/office/mac/drawingml/2008/main" Requires="ma">
+          <mc:Choice xmlns:ma="http://schemas.microsoft.com/office/mac/drawingml/2008/main" xmlns:mv="urn:schemas-microsoft-com:mac:vml" xmlns="" Requires="ma">
             <p:blipFill>
               <a:blip r:embed="rId2"/>
               <a:stretch>
@@ -4986,11 +4986,7 @@
           <a:p>
             <a:r>
               <a:rPr lang="en-US" smtClean="0"/>
-              <a:t>APS: Data </a:t>
-            </a:r>
-            <a:r>
-              <a:rPr lang="en-US" smtClean="0"/>
-              <a:t>ingest/analysis/archive</a:t>
+              <a:t>Data ingest/analysis/archive</a:t>
             </a:r>
             <a:endParaRPr lang="en-US"/>
           </a:p>
@@ -5046,7 +5042,7 @@
       </p:sp>
       <p:pic>
         <p:nvPicPr>
-          <p:cNvPr id="3074" name="Picture 2" descr="C:\Documents and Settings\wozniak\My Documents\Downloads\Processing on PADS with Catalog (1).png"/>
+          <p:cNvPr id="2050" name="Picture 2" descr="C:\Documents and Settings\wozniak\My Documents\Downloads\Processing on PADS with Catalog (1).png"/>
           <p:cNvPicPr>
             <a:picLocks noChangeAspect="1" noChangeArrowheads="1"/>
           </p:cNvPicPr>
@@ -5061,8 +5057,8 @@
         </p:blipFill>
         <p:spPr bwMode="auto">
           <a:xfrm>
-            <a:off x="533400" y="914400"/>
-            <a:ext cx="7467600" cy="5592278"/>
+            <a:off x="685800" y="914400"/>
+            <a:ext cx="7315200" cy="5478150"/>
           </a:xfrm>
           <a:prstGeom prst="rect">
             <a:avLst/>
@@ -5070,6 +5066,62 @@
           <a:noFill/>
         </p:spPr>
       </p:pic>
+      <p:sp>
+        <p:nvSpPr>
+          <p:cNvPr id="7" name="Oval 6"/>
+          <p:cNvSpPr/>
+          <p:nvPr/>
+        </p:nvSpPr>
+        <p:spPr bwMode="auto">
+          <a:xfrm>
+            <a:off x="4267200" y="2362200"/>
+            <a:ext cx="4419600" cy="1752600"/>
+          </a:xfrm>
+          <a:prstGeom prst="ellipse">
+            <a:avLst/>
+          </a:prstGeom>
+          <a:solidFill>
+            <a:srgbClr val="FFCC66"/>
+          </a:solidFill>
+          <a:ln w="38100">
+            <a:solidFill>
+              <a:schemeClr val="tx1">
+                <a:lumMod val="75000"/>
+              </a:schemeClr>
+            </a:solidFill>
+            <a:miter lim="800000"/>
+            <a:headEnd/>
+            <a:tailEnd type="triangle" w="med" len="med"/>
+          </a:ln>
+        </p:spPr>
+        <p:txBody>
+          <a:bodyPr rtlCol="0" anchor="ctr">
+            <a:prstTxWarp prst="textNoShape">
+              <a:avLst/>
+            </a:prstTxWarp>
+          </a:bodyPr>
+          <a:lstStyle/>
+          <a:p>
+            <a:pPr algn="ctr"/>
+            <a:r>
+              <a:rPr lang="en-US" b="1" smtClean="0"/>
+              <a:t>The October run produced 104 directories containing 5M files totalling about </a:t>
+            </a:r>
+            <a:r>
+              <a:rPr lang="en-US" sz="2000" b="1" smtClean="0"/>
+              <a:t/>
+            </a:r>
+            <a:br>
+              <a:rPr lang="en-US" sz="2000" b="1" smtClean="0"/>
+            </a:br>
+            <a:r>
+              <a:rPr lang="en-US" sz="2000" b="1" smtClean="0"/>
+              <a:t>27 TB. </a:t>
+            </a:r>
+            <a:endParaRPr lang="en-US" sz="2000" b="1"/>
+          </a:p>
+        </p:txBody>
+      </p:sp>
     </p:spTree>
   </p:cSld>
   <p:clrMapOvr>
@@ -5078,9 +5130,135 @@
   <p:timing>
     <p:tnLst>
       <p:par>
-        <p:cTn id="1" dur="indefinite" restart="never" nodeType="tmRoot"/>
+        <p:cTn id="1" dur="indefinite" restart="never" nodeType="tmRoot">
+          <p:childTnLst>
+            <p:seq concurrent="1" nextAc="seek">
+              <p:cTn id="2" dur="indefinite" nodeType="mainSeq">
+                <p:childTnLst>
+                  <p:par>
+                    <p:cTn id="3" fill="hold">
+                      <p:stCondLst>
+                        <p:cond delay="indefinite"/>
+                      </p:stCondLst>
+                      <p:childTnLst>
+                        <p:par>
+                          <p:cTn id="4" fill="hold">
+                            <p:stCondLst>
+                              <p:cond delay="0"/>
+                            </p:stCondLst>
+                            <p:childTnLst>
+                              <p:par>
+                                <p:cTn id="5" presetID="10" presetClass="entr" presetSubtype="0" fill="hold" grpId="0" nodeType="clickEffect">
+                                  <p:stCondLst>
+                                    <p:cond delay="0"/>
+                                  </p:stCondLst>
+                                  <p:childTnLst>
+                                    <p:set>
+                                      <p:cBhvr>
+                                        <p:cTn id="6" dur="1" fill="hold">
+                                          <p:stCondLst>
+                                            <p:cond delay="0"/>
+                                          </p:stCondLst>
+                                        </p:cTn>
+                                        <p:tgtEl>
+                                          <p:spTgt spid="7">
+                                            <p:bg/>
+                                          </p:spTgt>
+                                        </p:tgtEl>
+                                        <p:attrNameLst>
+                                          <p:attrName>style.visibility</p:attrName>
+                                        </p:attrNameLst>
+                                      </p:cBhvr>
+                                      <p:to>
+                                        <p:strVal val="visible"/>
+                                      </p:to>
+                                    </p:set>
+                                    <p:animEffect transition="in" filter="fade">
+                                      <p:cBhvr>
+                                        <p:cTn id="7" dur="2000"/>
+                                        <p:tgtEl>
+                                          <p:spTgt spid="7">
+                                            <p:bg/>
+                                          </p:spTgt>
+                                        </p:tgtEl>
+                                      </p:cBhvr>
+                                    </p:animEffect>
+                                  </p:childTnLst>
+                                </p:cTn>
+                              </p:par>
+                              <p:par>
+                                <p:cTn id="8" presetID="10" presetClass="entr" presetSubtype="0" fill="hold" grpId="0" nodeType="withEffect">
+                                  <p:stCondLst>
+                                    <p:cond delay="0"/>
+                                  </p:stCondLst>
+                                  <p:childTnLst>
+                                    <p:set>
+                                      <p:cBhvr>
+                                        <p:cTn id="9" dur="1" fill="hold">
+                                          <p:stCondLst>
+                                            <p:cond delay="0"/>
+                                          </p:stCondLst>
+                                        </p:cTn>
+                                        <p:tgtEl>
+                                          <p:spTgt spid="7">
+                                            <p:txEl>
+                                              <p:pRg st="0" end="0"/>
+                                            </p:txEl>
+                                          </p:spTgt>
+                                        </p:tgtEl>
+                                        <p:attrNameLst>
+                                          <p:attrName>style.visibility</p:attrName>
+                                        </p:attrNameLst>
+                                      </p:cBhvr>
+                                      <p:to>
+                                        <p:strVal val="visible"/>
+                                      </p:to>
+                                    </p:set>
+                                    <p:animEffect transition="in" filter="fade">
+                                      <p:cBhvr>
+                                        <p:cTn id="10" dur="2000"/>
+                                        <p:tgtEl>
+                                          <p:spTgt spid="7">
+                                            <p:txEl>
+                                              <p:pRg st="0" end="0"/>
+                                            </p:txEl>
+                                          </p:spTgt>
+                                        </p:tgtEl>
+                                      </p:cBhvr>
+                                    </p:animEffect>
+                                  </p:childTnLst>
+                                </p:cTn>
+                              </p:par>
+                            </p:childTnLst>
+                          </p:cTn>
+                        </p:par>
+                      </p:childTnLst>
+                    </p:cTn>
+                  </p:par>
+                </p:childTnLst>
+              </p:cTn>
+              <p:prevCondLst>
+                <p:cond evt="onPrev" delay="0">
+                  <p:tgtEl>
+                    <p:sldTgt/>
+                  </p:tgtEl>
+                </p:cond>
+              </p:prevCondLst>
+              <p:nextCondLst>
+                <p:cond evt="onNext" delay="0">
+                  <p:tgtEl>
+                    <p:sldTgt/>
+                  </p:tgtEl>
+                </p:cond>
+              </p:nextCondLst>
+            </p:seq>
+          </p:childTnLst>
+        </p:cTn>
       </p:par>
     </p:tnLst>
+    <p:bldLst>
+      <p:bldP spid="7" grpId="0" build="allAtOnce" animBg="1"/>
+    </p:bldLst>
   </p:timing>
 </p:sld>
 </file>

--- a/presentations/wozniak-lbl.pptx
+++ b/presentations/wozniak-lbl.pptx
@@ -5,14 +5,20 @@
     <p:sldMasterId id="2147483667" r:id="rId1"/>
   </p:sldMasterIdLst>
   <p:notesMasterIdLst>
-    <p:notesMasterId r:id="rId4"/>
+    <p:notesMasterId r:id="rId10"/>
   </p:notesMasterIdLst>
   <p:handoutMasterIdLst>
-    <p:handoutMasterId r:id="rId5"/>
+    <p:handoutMasterId r:id="rId11"/>
   </p:handoutMasterIdLst>
   <p:sldIdLst>
-    <p:sldId id="835" r:id="rId2"/>
-    <p:sldId id="834" r:id="rId3"/>
+    <p:sldId id="836" r:id="rId2"/>
+    <p:sldId id="841" r:id="rId3"/>
+    <p:sldId id="840" r:id="rId4"/>
+    <p:sldId id="837" r:id="rId5"/>
+    <p:sldId id="838" r:id="rId6"/>
+    <p:sldId id="835" r:id="rId7"/>
+    <p:sldId id="839" r:id="rId8"/>
+    <p:sldId id="834" r:id="rId9"/>
   </p:sldIdLst>
   <p:sldSz cx="9144000" cy="6858000" type="screen4x3"/>
   <p:notesSz cx="7315200" cy="9601200"/>
@@ -266,7 +272,7 @@
               <a:pPr>
                 <a:defRPr/>
               </a:pPr>
-              <a:t>2/18/2014</a:t>
+              <a:t>2/20/2014</a:t>
             </a:fld>
             <a:endParaRPr lang="en-US"/>
           </a:p>
@@ -378,7 +384,7 @@
     </p:spTree>
     <p:extLst>
       <p:ext uri="{BB962C8B-B14F-4D97-AF65-F5344CB8AC3E}">
-        <p14:creationId xmlns="" xmlns:p14="http://schemas.microsoft.com/office/powerpoint/2010/main" xmlns:mv="urn:schemas-microsoft-com:mac:vml" xmlns:mc="http://schemas.openxmlformats.org/markup-compatibility/2006" val="1178751867"/>
+        <p14:creationId xmlns:p14="http://schemas.microsoft.com/office/powerpoint/2010/main" val="1178751867"/>
       </p:ext>
     </p:extLst>
   </p:cSld>
@@ -717,7 +723,7 @@
     </p:spTree>
     <p:extLst>
       <p:ext uri="{BB962C8B-B14F-4D97-AF65-F5344CB8AC3E}">
-        <p14:creationId xmlns="" xmlns:p14="http://schemas.microsoft.com/office/powerpoint/2010/main" xmlns:mv="urn:schemas-microsoft-com:mac:vml" xmlns:mc="http://schemas.openxmlformats.org/markup-compatibility/2006" val="3283455778"/>
+        <p14:creationId xmlns:p14="http://schemas.microsoft.com/office/powerpoint/2010/main" val="3283455778"/>
       </p:ext>
     </p:extLst>
   </p:cSld>
@@ -1179,6 +1185,10 @@
             <a:pPr>
               <a:defRPr/>
             </a:pPr>
+            <a:r>
+              <a:rPr lang="en-US" smtClean="0"/>
+              <a:t>Wozniak - Swift</a:t>
+            </a:r>
             <a:endParaRPr lang="en-US"/>
           </a:p>
         </p:txBody>
@@ -1380,6 +1390,10 @@
             <a:pPr>
               <a:defRPr/>
             </a:pPr>
+            <a:r>
+              <a:rPr lang="en-US" smtClean="0"/>
+              <a:t>Wozniak - Swift</a:t>
+            </a:r>
             <a:endParaRPr lang="en-US"/>
           </a:p>
         </p:txBody>
@@ -1638,6 +1652,10 @@
             <a:pPr>
               <a:defRPr/>
             </a:pPr>
+            <a:r>
+              <a:rPr lang="en-US" smtClean="0"/>
+              <a:t>Wozniak - Swift</a:t>
+            </a:r>
             <a:endParaRPr lang="en-US"/>
           </a:p>
         </p:txBody>
@@ -1778,6 +1796,10 @@
             <a:pPr>
               <a:defRPr/>
             </a:pPr>
+            <a:r>
+              <a:rPr lang="en-US" smtClean="0"/>
+              <a:t>Wozniak - Swift</a:t>
+            </a:r>
             <a:endParaRPr lang="en-US"/>
           </a:p>
         </p:txBody>
@@ -1891,7 +1913,7 @@
           <p:nvPr userDrawn="1"/>
         </p:nvPicPr>
         <mc:AlternateContent xmlns:mc="http://schemas.openxmlformats.org/markup-compatibility/2006">
-          <mc:Choice xmlns:ma="http://schemas.microsoft.com/office/mac/drawingml/2008/main" xmlns:mv="urn:schemas-microsoft-com:mac:vml" xmlns="" Requires="ma">
+          <mc:Choice xmlns="" xmlns:mv="urn:schemas-microsoft-com:mac:vml" xmlns:ma="http://schemas.microsoft.com/office/mac/drawingml/2008/main" Requires="ma">
             <p:blipFill>
               <a:blip r:embed="rId2"/>
               <a:stretch>
@@ -2172,6 +2194,10 @@
             </a:lvl1pPr>
           </a:lstStyle>
           <a:p>
+            <a:r>
+              <a:rPr lang="en-US" smtClean="0"/>
+              <a:t>Wozniak - Swift</a:t>
+            </a:r>
             <a:endParaRPr lang="en-US" dirty="0"/>
           </a:p>
         </p:txBody>
@@ -2315,20 +2341,28 @@
           </p:nvPr>
         </p:nvSpPr>
         <p:spPr>
+          <a:xfrm>
+            <a:off x="685800" y="6248400"/>
+            <a:ext cx="5942013" cy="228600"/>
+          </a:xfrm>
           <a:ln/>
         </p:spPr>
         <p:txBody>
           <a:bodyPr/>
           <a:lstStyle>
             <a:lvl1pPr>
-              <a:defRPr/>
+              <a:defRPr sz="1400"/>
             </a:lvl1pPr>
           </a:lstStyle>
           <a:p>
             <a:pPr>
               <a:defRPr/>
             </a:pPr>
-            <a:endParaRPr lang="en-US"/>
+            <a:r>
+              <a:rPr lang="en-US" dirty="0" smtClean="0"/>
+              <a:t>Wozniak - Swift</a:t>
+            </a:r>
+            <a:endParaRPr lang="en-US" dirty="0"/>
           </a:p>
         </p:txBody>
       </p:sp>
@@ -2541,6 +2575,10 @@
             <a:pPr>
               <a:defRPr/>
             </a:pPr>
+            <a:r>
+              <a:rPr lang="en-US" smtClean="0"/>
+              <a:t>Wozniak - Swift</a:t>
+            </a:r>
             <a:endParaRPr lang="en-US"/>
           </a:p>
         </p:txBody>
@@ -2850,6 +2888,10 @@
             <a:pPr>
               <a:defRPr/>
             </a:pPr>
+            <a:r>
+              <a:rPr lang="en-US" smtClean="0"/>
+              <a:t>Wozniak - Swift</a:t>
+            </a:r>
             <a:endParaRPr lang="en-US"/>
           </a:p>
         </p:txBody>
@@ -3293,6 +3335,10 @@
             <a:pPr>
               <a:defRPr/>
             </a:pPr>
+            <a:r>
+              <a:rPr lang="en-US" smtClean="0"/>
+              <a:t>Wozniak - Swift</a:t>
+            </a:r>
             <a:endParaRPr lang="en-US"/>
           </a:p>
         </p:txBody>
@@ -3432,6 +3478,10 @@
             <a:pPr>
               <a:defRPr/>
             </a:pPr>
+            <a:r>
+              <a:rPr lang="en-US" smtClean="0"/>
+              <a:t>Wozniak - Swift</a:t>
+            </a:r>
             <a:endParaRPr lang="en-US"/>
           </a:p>
         </p:txBody>
@@ -3548,6 +3598,10 @@
             <a:pPr>
               <a:defRPr/>
             </a:pPr>
+            <a:r>
+              <a:rPr lang="en-US" smtClean="0"/>
+              <a:t>Wozniak - Swift</a:t>
+            </a:r>
             <a:endParaRPr lang="en-US"/>
           </a:p>
         </p:txBody>
@@ -3846,6 +3900,10 @@
             <a:pPr>
               <a:defRPr/>
             </a:pPr>
+            <a:r>
+              <a:rPr lang="en-US" smtClean="0"/>
+              <a:t>Wozniak - Swift</a:t>
+            </a:r>
             <a:endParaRPr lang="en-US"/>
           </a:p>
         </p:txBody>
@@ -4121,6 +4179,10 @@
             <a:pPr>
               <a:defRPr/>
             </a:pPr>
+            <a:r>
+              <a:rPr lang="en-US" smtClean="0"/>
+              <a:t>Wozniak - Swift</a:t>
+            </a:r>
             <a:endParaRPr lang="en-US"/>
           </a:p>
         </p:txBody>
@@ -4425,6 +4487,10 @@
             <a:pPr>
               <a:defRPr/>
             </a:pPr>
+            <a:r>
+              <a:rPr lang="en-US" smtClean="0"/>
+              <a:t>Wozniak - Swift</a:t>
+            </a:r>
             <a:endParaRPr lang="en-US"/>
           </a:p>
         </p:txBody>
@@ -4533,7 +4599,7 @@
     <p:sldLayoutId id="2147483732" r:id="rId13"/>
     <p:sldLayoutId id="2147483733" r:id="rId14"/>
   </p:sldLayoutIdLst>
-  <p:hf hdr="0" ftr="0" dt="0"/>
+  <p:hf hdr="0" dt="0"/>
   <p:txStyles>
     <p:titleStyle>
       <a:lvl1pPr algn="l" rtl="0" eaLnBrk="0" fontAlgn="base" hangingPunct="0">
@@ -4976,6 +5042,222 @@
             <a:spLocks noGrp="1"/>
           </p:cNvSpPr>
           <p:nvPr>
+            <p:ph type="ctrTitle"/>
+          </p:nvPr>
+        </p:nvSpPr>
+        <p:spPr>
+          <a:xfrm>
+            <a:off x="533400" y="1671638"/>
+            <a:ext cx="8148638" cy="1069975"/>
+          </a:xfrm>
+        </p:spPr>
+        <p:txBody>
+          <a:bodyPr/>
+          <a:lstStyle/>
+          <a:p>
+            <a:r>
+              <a:rPr lang="en-US" dirty="0" smtClean="0"/>
+              <a:t>Parallel Scripting for Beamline Science:</a:t>
+            </a:r>
+            <a:br>
+              <a:rPr lang="en-US" dirty="0" smtClean="0"/>
+            </a:br>
+            <a:r>
+              <a:rPr lang="en-US" dirty="0" smtClean="0"/>
+              <a:t>	</a:t>
+            </a:r>
+            <a:r>
+              <a:rPr lang="en-US" sz="2800" dirty="0" smtClean="0"/>
+              <a:t>Connecting Big Data and HPC </a:t>
+            </a:r>
+            <a:endParaRPr lang="en-US" sz="2800" dirty="0"/>
+          </a:p>
+        </p:txBody>
+      </p:sp>
+      <p:sp>
+        <p:nvSpPr>
+          <p:cNvPr id="3" name="Subtitle 2"/>
+          <p:cNvSpPr>
+            <a:spLocks noGrp="1"/>
+          </p:cNvSpPr>
+          <p:nvPr>
+            <p:ph type="subTitle" idx="1"/>
+          </p:nvPr>
+        </p:nvSpPr>
+        <p:spPr/>
+        <p:txBody>
+          <a:bodyPr/>
+          <a:lstStyle/>
+          <a:p>
+            <a:r>
+              <a:rPr lang="en-US" dirty="0" smtClean="0"/>
+              <a:t/>
+            </a:r>
+            <a:br>
+              <a:rPr lang="en-US" dirty="0" smtClean="0"/>
+            </a:br>
+            <a:r>
+              <a:rPr lang="en-US" b="1" dirty="0" smtClean="0"/>
+              <a:t>Justin </a:t>
+            </a:r>
+            <a:r>
+              <a:rPr lang="en-US" b="1" dirty="0" smtClean="0"/>
+              <a:t>M </a:t>
+            </a:r>
+            <a:r>
+              <a:rPr lang="en-US" b="1" dirty="0" smtClean="0"/>
+              <a:t>Wozniak </a:t>
+            </a:r>
+            <a:endParaRPr lang="en-US" b="1" dirty="0" smtClean="0"/>
+          </a:p>
+          <a:p>
+            <a:r>
+              <a:rPr lang="en-US" dirty="0" smtClean="0"/>
+              <a:t>Mathematics and Computer Science Division </a:t>
+            </a:r>
+          </a:p>
+          <a:p>
+            <a:r>
+              <a:rPr lang="en-US" dirty="0" smtClean="0"/>
+              <a:t>Argonne National Laboratory</a:t>
+            </a:r>
+            <a:br>
+              <a:rPr lang="en-US" dirty="0" smtClean="0"/>
+            </a:br>
+            <a:r>
+              <a:rPr lang="en-US" dirty="0" smtClean="0"/>
+              <a:t>wozniak@mcs.anl.gov</a:t>
+            </a:r>
+          </a:p>
+          <a:p>
+            <a:r>
+              <a:rPr lang="en-US" b="1" dirty="0" smtClean="0"/>
+              <a:t>http://www.swift-lang.org</a:t>
+            </a:r>
+            <a:endParaRPr lang="en-US" b="1" dirty="0"/>
+          </a:p>
+        </p:txBody>
+      </p:sp>
+      <p:sp>
+        <p:nvSpPr>
+          <p:cNvPr id="4" name="Subtitle 2"/>
+          <p:cNvSpPr txBox="1">
+            <a:spLocks/>
+          </p:cNvSpPr>
+          <p:nvPr/>
+        </p:nvSpPr>
+        <p:spPr bwMode="auto">
+          <a:xfrm>
+            <a:off x="2438400" y="5791200"/>
+            <a:ext cx="6400800" cy="839788"/>
+          </a:xfrm>
+          <a:prstGeom prst="rect">
+            <a:avLst/>
+          </a:prstGeom>
+          <a:noFill/>
+          <a:ln w="9525">
+            <a:noFill/>
+            <a:miter lim="800000"/>
+            <a:headEnd/>
+            <a:tailEnd/>
+          </a:ln>
+        </p:spPr>
+        <p:txBody>
+          <a:bodyPr vert="horz" wrap="square" lIns="91440" tIns="45720" rIns="91440" bIns="45720" numCol="1" anchor="t" anchorCtr="0" compatLnSpc="1">
+            <a:prstTxWarp prst="textNoShape">
+              <a:avLst/>
+            </a:prstTxWarp>
+          </a:bodyPr>
+          <a:lstStyle/>
+          <a:p>
+            <a:pPr algn="r" eaLnBrk="0" hangingPunct="0">
+              <a:spcBef>
+                <a:spcPct val="20000"/>
+              </a:spcBef>
+              <a:buClr>
+                <a:srgbClr val="1F497D"/>
+              </a:buClr>
+              <a:buFont typeface="Wingdings" charset="2"/>
+              <a:buNone/>
+              <a:defRPr/>
+            </a:pPr>
+            <a:r>
+              <a:rPr lang="en-US" sz="2400" b="1" kern="0" dirty="0" smtClean="0">
+                <a:solidFill>
+                  <a:srgbClr val="1B1B1B"/>
+                </a:solidFill>
+                <a:latin typeface="Calibri"/>
+                <a:ea typeface="ＭＳ Ｐゴシック" charset="-128"/>
+                <a:cs typeface="ＭＳ Ｐゴシック" charset="-128"/>
+              </a:rPr>
+              <a:t>February 20, </a:t>
+            </a:r>
+            <a:r>
+              <a:rPr lang="en-US" sz="2400" b="1" kern="0" dirty="0" smtClean="0">
+                <a:solidFill>
+                  <a:srgbClr val="1B1B1B"/>
+                </a:solidFill>
+                <a:latin typeface="Calibri"/>
+                <a:ea typeface="ＭＳ Ｐゴシック" charset="-128"/>
+                <a:cs typeface="ＭＳ Ｐゴシック" charset="-128"/>
+              </a:rPr>
+              <a:t>2014</a:t>
+            </a:r>
+            <a:endParaRPr lang="en-US" sz="2400" b="1" i="1" kern="0" dirty="0">
+              <a:solidFill>
+                <a:srgbClr val="1B1B1B"/>
+              </a:solidFill>
+              <a:latin typeface="Calibri"/>
+              <a:ea typeface="ＭＳ Ｐゴシック" charset="-128"/>
+              <a:cs typeface="ＭＳ Ｐゴシック" charset="-128"/>
+            </a:endParaRPr>
+          </a:p>
+        </p:txBody>
+      </p:sp>
+    </p:spTree>
+    <p:extLst>
+      <p:ext uri="{BB962C8B-B14F-4D97-AF65-F5344CB8AC3E}">
+        <p14:creationId xmlns:p14="http://schemas.microsoft.com/office/powerpoint/2010/main" val="995925962"/>
+      </p:ext>
+    </p:extLst>
+  </p:cSld>
+  <p:clrMapOvr>
+    <a:masterClrMapping/>
+  </p:clrMapOvr>
+  <p:timing>
+    <p:tnLst>
+      <p:par>
+        <p:cTn id="1" dur="indefinite" restart="never" nodeType="tmRoot"/>
+      </p:par>
+    </p:tnLst>
+  </p:timing>
+</p:sld>
+</file>
+
+<file path=ppt/slides/slide2.xml><?xml version="1.0" encoding="utf-8"?>
+<p:sld xmlns:a="http://schemas.openxmlformats.org/drawingml/2006/main" xmlns:r="http://schemas.openxmlformats.org/officeDocument/2006/relationships" xmlns:p="http://schemas.openxmlformats.org/presentationml/2006/main">
+  <p:cSld>
+    <p:spTree>
+      <p:nvGrpSpPr>
+        <p:cNvPr id="1" name=""/>
+        <p:cNvGrpSpPr/>
+        <p:nvPr/>
+      </p:nvGrpSpPr>
+      <p:grpSpPr>
+        <a:xfrm>
+          <a:off x="0" y="0"/>
+          <a:ext cx="0" cy="0"/>
+          <a:chOff x="0" y="0"/>
+          <a:chExt cx="0" cy="0"/>
+        </a:xfrm>
+      </p:grpSpPr>
+      <p:sp>
+        <p:nvSpPr>
+          <p:cNvPr id="2" name="Title 1"/>
+          <p:cNvSpPr>
+            <a:spLocks noGrp="1"/>
+          </p:cNvSpPr>
+          <p:nvPr>
             <p:ph type="title"/>
           </p:nvPr>
         </p:nvSpPr>
@@ -4985,10 +5267,10 @@
           <a:lstStyle/>
           <a:p>
             <a:r>
-              <a:rPr lang="en-US" smtClean="0"/>
-              <a:t>Data ingest/analysis/archive</a:t>
-            </a:r>
-            <a:endParaRPr lang="en-US"/>
+              <a:rPr lang="en-US" dirty="0" smtClean="0"/>
+              <a:t>Overview</a:t>
+            </a:r>
+            <a:endParaRPr lang="en-US" dirty="0"/>
           </a:p>
         </p:txBody>
       </p:sp>
@@ -5030,11 +5312,982 @@
               <a:defRPr/>
             </a:pPr>
             <a:fld id="{8BEE434E-B384-A245-84B1-C534A8D54264}" type="slidenum">
-              <a:rPr lang="en-US" smtClean="0"/>
+              <a:rPr lang="en-US" smtClean="0">
+                <a:solidFill>
+                  <a:srgbClr val="404040"/>
+                </a:solidFill>
+              </a:rPr>
               <a:pPr>
                 <a:defRPr/>
               </a:pPr>
-              <a:t>1</a:t>
+              <a:t>2</a:t>
+            </a:fld>
+            <a:endParaRPr lang="en-US">
+              <a:solidFill>
+                <a:srgbClr val="404040"/>
+              </a:solidFill>
+            </a:endParaRPr>
+          </a:p>
+        </p:txBody>
+      </p:sp>
+      <p:pic>
+        <p:nvPicPr>
+          <p:cNvPr id="1027" name="Picture 3" descr="C:\Users\justin\Downloads\Processing on PADS with Simulation (1).png"/>
+          <p:cNvPicPr>
+            <a:picLocks noChangeAspect="1" noChangeArrowheads="1"/>
+          </p:cNvPicPr>
+          <p:nvPr/>
+        </p:nvPicPr>
+        <p:blipFill>
+          <a:blip r:embed="rId2">
+            <a:extLst>
+              <a:ext uri="{28A0092B-C50C-407E-A947-70E740481C1C}">
+                <a14:useLocalDpi xmlns:a14="http://schemas.microsoft.com/office/drawing/2010/main" val="0"/>
+              </a:ext>
+            </a:extLst>
+          </a:blip>
+          <a:srcRect/>
+          <a:stretch>
+            <a:fillRect/>
+          </a:stretch>
+        </p:blipFill>
+        <p:spPr bwMode="auto">
+          <a:xfrm>
+            <a:off x="457200" y="914400"/>
+            <a:ext cx="8077200" cy="5752129"/>
+          </a:xfrm>
+          <a:prstGeom prst="rect">
+            <a:avLst/>
+          </a:prstGeom>
+          <a:noFill/>
+          <a:extLst>
+            <a:ext uri="{909E8E84-426E-40DD-AFC4-6F175D3DCCD1}">
+              <a14:hiddenFill xmlns:a14="http://schemas.microsoft.com/office/drawing/2010/main">
+                <a:solidFill>
+                  <a:srgbClr val="FFFFFF"/>
+                </a:solidFill>
+              </a14:hiddenFill>
+            </a:ext>
+          </a:extLst>
+        </p:spPr>
+      </p:pic>
+      <p:sp>
+        <p:nvSpPr>
+          <p:cNvPr id="5" name="Footer Placeholder 4"/>
+          <p:cNvSpPr>
+            <a:spLocks noGrp="1"/>
+          </p:cNvSpPr>
+          <p:nvPr>
+            <p:ph type="ftr" sz="quarter" idx="11"/>
+          </p:nvPr>
+        </p:nvSpPr>
+        <p:spPr/>
+        <p:txBody>
+          <a:bodyPr/>
+          <a:lstStyle/>
+          <a:p>
+            <a:pPr>
+              <a:defRPr/>
+            </a:pPr>
+            <a:r>
+              <a:rPr lang="en-US" smtClean="0"/>
+              <a:t>Wozniak - Swift</a:t>
+            </a:r>
+            <a:endParaRPr lang="en-US"/>
+          </a:p>
+        </p:txBody>
+      </p:sp>
+    </p:spTree>
+    <p:extLst>
+      <p:ext uri="{BB962C8B-B14F-4D97-AF65-F5344CB8AC3E}">
+        <p14:creationId xmlns:p14="http://schemas.microsoft.com/office/powerpoint/2010/main" val="1794205187"/>
+      </p:ext>
+    </p:extLst>
+  </p:cSld>
+  <p:clrMapOvr>
+    <a:masterClrMapping/>
+  </p:clrMapOvr>
+  <p:timing>
+    <p:tnLst>
+      <p:par>
+        <p:cTn id="1" dur="indefinite" restart="never" nodeType="tmRoot"/>
+      </p:par>
+    </p:tnLst>
+  </p:timing>
+</p:sld>
+</file>
+
+<file path=ppt/slides/slide3.xml><?xml version="1.0" encoding="utf-8"?>
+<p:sld xmlns:a="http://schemas.openxmlformats.org/drawingml/2006/main" xmlns:r="http://schemas.openxmlformats.org/officeDocument/2006/relationships" xmlns:p="http://schemas.openxmlformats.org/presentationml/2006/main">
+  <p:cSld>
+    <p:spTree>
+      <p:nvGrpSpPr>
+        <p:cNvPr id="1" name=""/>
+        <p:cNvGrpSpPr/>
+        <p:nvPr/>
+      </p:nvGrpSpPr>
+      <p:grpSpPr>
+        <a:xfrm>
+          <a:off x="0" y="0"/>
+          <a:ext cx="0" cy="0"/>
+          <a:chOff x="0" y="0"/>
+          <a:chExt cx="0" cy="0"/>
+        </a:xfrm>
+      </p:grpSpPr>
+      <p:sp>
+        <p:nvSpPr>
+          <p:cNvPr id="2" name="Title 1"/>
+          <p:cNvSpPr>
+            <a:spLocks noGrp="1"/>
+          </p:cNvSpPr>
+          <p:nvPr>
+            <p:ph type="title"/>
+          </p:nvPr>
+        </p:nvSpPr>
+        <p:spPr/>
+        <p:txBody>
+          <a:bodyPr/>
+          <a:lstStyle/>
+          <a:p>
+            <a:r>
+              <a:rPr lang="en-US" dirty="0" smtClean="0"/>
+              <a:t>Project Goals: Computer Scienc</a:t>
+            </a:r>
+            <a:r>
+              <a:rPr lang="en-US" dirty="0" smtClean="0"/>
+              <a:t>e perspective</a:t>
+            </a:r>
+            <a:endParaRPr lang="en-US" dirty="0"/>
+          </a:p>
+        </p:txBody>
+      </p:sp>
+      <p:sp>
+        <p:nvSpPr>
+          <p:cNvPr id="3" name="Content Placeholder 2"/>
+          <p:cNvSpPr>
+            <a:spLocks noGrp="1"/>
+          </p:cNvSpPr>
+          <p:nvPr>
+            <p:ph idx="1"/>
+          </p:nvPr>
+        </p:nvSpPr>
+        <p:spPr>
+          <a:xfrm>
+            <a:off x="457200" y="990600"/>
+            <a:ext cx="8229600" cy="5181600"/>
+          </a:xfrm>
+        </p:spPr>
+        <p:txBody>
+          <a:bodyPr/>
+          <a:lstStyle/>
+          <a:p>
+            <a:endParaRPr lang="en-US" dirty="0" smtClean="0"/>
+          </a:p>
+          <a:p>
+            <a:r>
+              <a:rPr lang="en-US" sz="2400" dirty="0" smtClean="0"/>
+              <a:t>Data </a:t>
+            </a:r>
+            <a:r>
+              <a:rPr lang="en-US" sz="2400" dirty="0" smtClean="0"/>
+              <a:t>and workflow management</a:t>
+            </a:r>
+          </a:p>
+          <a:p>
+            <a:pPr lvl="1"/>
+            <a:r>
+              <a:rPr lang="en-US" dirty="0" smtClean="0"/>
+              <a:t>Modify the operating software of APS stations to </a:t>
+            </a:r>
+            <a:r>
+              <a:rPr lang="en-US" b="1" dirty="0" smtClean="0"/>
+              <a:t>allow real-time streaming </a:t>
+            </a:r>
+            <a:r>
+              <a:rPr lang="en-US" dirty="0" smtClean="0"/>
+              <a:t>to a novel data storage/analysis platform (Globus, etc.)</a:t>
+            </a:r>
+            <a:endParaRPr lang="en-US" dirty="0" smtClean="0"/>
+          </a:p>
+          <a:p>
+            <a:pPr lvl="1"/>
+            <a:r>
+              <a:rPr lang="en-US" dirty="0" smtClean="0"/>
+              <a:t>Converting data from the standard detector formats </a:t>
+            </a:r>
+            <a:r>
+              <a:rPr lang="en-US" dirty="0" smtClean="0"/>
+              <a:t>(TIFF</a:t>
+            </a:r>
+            <a:r>
+              <a:rPr lang="en-US" dirty="0" smtClean="0"/>
+              <a:t>) to HDF5 and adding metadata and provenance, based on the </a:t>
+            </a:r>
+            <a:r>
+              <a:rPr lang="en-US" b="1" dirty="0" smtClean="0"/>
+              <a:t>NeXus data </a:t>
+            </a:r>
+            <a:r>
+              <a:rPr lang="en-US" b="1" dirty="0" smtClean="0"/>
+              <a:t>format</a:t>
+            </a:r>
+            <a:r>
+              <a:rPr lang="en-US" dirty="0"/>
+              <a:t> </a:t>
+            </a:r>
+            <a:r>
+              <a:rPr lang="en-US" dirty="0" smtClean="0"/>
+              <a:t>(CCTW</a:t>
+            </a:r>
+            <a:r>
+              <a:rPr lang="en-US" dirty="0" smtClean="0"/>
+              <a:t>)</a:t>
+            </a:r>
+          </a:p>
+          <a:p>
+            <a:pPr lvl="1"/>
+            <a:r>
+              <a:rPr lang="en-US" dirty="0" smtClean="0"/>
+              <a:t>Rewrite analysis operations to work in a </a:t>
+            </a:r>
+            <a:r>
+              <a:rPr lang="en-US" b="1" dirty="0" smtClean="0"/>
+              <a:t>massively parallel </a:t>
+            </a:r>
+            <a:r>
+              <a:rPr lang="en-US" b="1" dirty="0" smtClean="0"/>
+              <a:t>environment</a:t>
+            </a:r>
+            <a:r>
+              <a:rPr lang="en-US" dirty="0"/>
+              <a:t> </a:t>
+            </a:r>
+            <a:r>
+              <a:rPr lang="en-US" dirty="0" smtClean="0"/>
+              <a:t>(NeXus </a:t>
+            </a:r>
+            <a:r>
+              <a:rPr lang="en-US" dirty="0" smtClean="0"/>
+              <a:t>operations)</a:t>
+            </a:r>
+          </a:p>
+          <a:p>
+            <a:pPr lvl="1"/>
+            <a:r>
+              <a:rPr lang="en-US" dirty="0" smtClean="0"/>
+              <a:t>Scale </a:t>
+            </a:r>
+            <a:r>
+              <a:rPr lang="en-US" b="1" dirty="0" smtClean="0"/>
+              <a:t>up simulation codes </a:t>
+            </a:r>
+            <a:r>
+              <a:rPr lang="en-US" dirty="0" smtClean="0"/>
+              <a:t>that complement </a:t>
+            </a:r>
+            <a:r>
+              <a:rPr lang="en-US" dirty="0" smtClean="0"/>
+              <a:t>analysis </a:t>
+            </a:r>
+            <a:r>
+              <a:rPr lang="en-US" dirty="0" smtClean="0"/>
+              <a:t>(DIFFEV</a:t>
+            </a:r>
+            <a:r>
+              <a:rPr lang="en-US" dirty="0" smtClean="0"/>
+              <a:t>)</a:t>
+            </a:r>
+          </a:p>
+          <a:p>
+            <a:pPr lvl="1"/>
+            <a:endParaRPr lang="en-US" dirty="0" smtClean="0"/>
+          </a:p>
+          <a:p>
+            <a:r>
+              <a:rPr lang="en-US" sz="2400" dirty="0" smtClean="0"/>
+              <a:t>Focus areas</a:t>
+            </a:r>
+          </a:p>
+          <a:p>
+            <a:pPr lvl="1"/>
+            <a:r>
+              <a:rPr lang="en-US" b="1" dirty="0" smtClean="0"/>
+              <a:t>Ease of access </a:t>
+            </a:r>
+            <a:r>
+              <a:rPr lang="en-US" dirty="0" smtClean="0"/>
+              <a:t>to high concurrency – compute and data movement</a:t>
+            </a:r>
+          </a:p>
+          <a:p>
+            <a:pPr lvl="1"/>
+            <a:r>
+              <a:rPr lang="en-US" dirty="0" smtClean="0"/>
+              <a:t>Scalability  for </a:t>
+            </a:r>
+            <a:r>
+              <a:rPr lang="en-US" b="1" dirty="0" smtClean="0"/>
+              <a:t>fast analysis turnaround</a:t>
+            </a:r>
+          </a:p>
+          <a:p>
+            <a:pPr lvl="1"/>
+            <a:r>
+              <a:rPr lang="en-US" b="1" dirty="0" smtClean="0"/>
+              <a:t>Interactivity and scheduling </a:t>
+            </a:r>
+            <a:r>
+              <a:rPr lang="en-US" dirty="0" smtClean="0"/>
+              <a:t>for near-real-time analysis </a:t>
+            </a:r>
+            <a:endParaRPr lang="en-US" dirty="0" smtClean="0"/>
+          </a:p>
+          <a:p>
+            <a:endParaRPr lang="en-US" dirty="0"/>
+          </a:p>
+        </p:txBody>
+      </p:sp>
+      <p:sp>
+        <p:nvSpPr>
+          <p:cNvPr id="4" name="Slide Number Placeholder 3"/>
+          <p:cNvSpPr>
+            <a:spLocks noGrp="1"/>
+          </p:cNvSpPr>
+          <p:nvPr>
+            <p:ph type="sldNum" sz="quarter" idx="12"/>
+          </p:nvPr>
+        </p:nvSpPr>
+        <p:spPr/>
+        <p:txBody>
+          <a:bodyPr/>
+          <a:lstStyle/>
+          <a:p>
+            <a:pPr>
+              <a:defRPr/>
+            </a:pPr>
+            <a:fld id="{8BEE434E-B384-A245-84B1-C534A8D54264}" type="slidenum">
+              <a:rPr lang="en-US" smtClean="0">
+                <a:solidFill>
+                  <a:srgbClr val="404040"/>
+                </a:solidFill>
+              </a:rPr>
+              <a:pPr>
+                <a:defRPr/>
+              </a:pPr>
+              <a:t>3</a:t>
+            </a:fld>
+            <a:endParaRPr lang="en-US">
+              <a:solidFill>
+                <a:srgbClr val="404040"/>
+              </a:solidFill>
+            </a:endParaRPr>
+          </a:p>
+        </p:txBody>
+      </p:sp>
+      <p:sp>
+        <p:nvSpPr>
+          <p:cNvPr id="5" name="Footer Placeholder 4"/>
+          <p:cNvSpPr>
+            <a:spLocks noGrp="1"/>
+          </p:cNvSpPr>
+          <p:nvPr>
+            <p:ph type="ftr" sz="quarter" idx="11"/>
+          </p:nvPr>
+        </p:nvSpPr>
+        <p:spPr/>
+        <p:txBody>
+          <a:bodyPr/>
+          <a:lstStyle/>
+          <a:p>
+            <a:pPr>
+              <a:defRPr/>
+            </a:pPr>
+            <a:r>
+              <a:rPr lang="en-US" smtClean="0"/>
+              <a:t>Wozniak - Swift</a:t>
+            </a:r>
+            <a:endParaRPr lang="en-US"/>
+          </a:p>
+        </p:txBody>
+      </p:sp>
+    </p:spTree>
+    <p:extLst>
+      <p:ext uri="{BB962C8B-B14F-4D97-AF65-F5344CB8AC3E}">
+        <p14:creationId xmlns:p14="http://schemas.microsoft.com/office/powerpoint/2010/main" val="2493931292"/>
+      </p:ext>
+    </p:extLst>
+  </p:cSld>
+  <p:clrMapOvr>
+    <a:masterClrMapping/>
+  </p:clrMapOvr>
+  <p:timing>
+    <p:tnLst>
+      <p:par>
+        <p:cTn id="1" dur="indefinite" restart="never" nodeType="tmRoot"/>
+      </p:par>
+    </p:tnLst>
+  </p:timing>
+</p:sld>
+</file>
+
+<file path=ppt/slides/slide4.xml><?xml version="1.0" encoding="utf-8"?>
+<p:sld xmlns:a="http://schemas.openxmlformats.org/drawingml/2006/main" xmlns:r="http://schemas.openxmlformats.org/officeDocument/2006/relationships" xmlns:p="http://schemas.openxmlformats.org/presentationml/2006/main">
+  <p:cSld>
+    <p:spTree>
+      <p:nvGrpSpPr>
+        <p:cNvPr id="1" name=""/>
+        <p:cNvGrpSpPr/>
+        <p:nvPr/>
+      </p:nvGrpSpPr>
+      <p:grpSpPr>
+        <a:xfrm>
+          <a:off x="0" y="0"/>
+          <a:ext cx="0" cy="0"/>
+          <a:chOff x="0" y="0"/>
+          <a:chExt cx="0" cy="0"/>
+        </a:xfrm>
+      </p:grpSpPr>
+      <p:sp>
+        <p:nvSpPr>
+          <p:cNvPr id="2" name="Title 1"/>
+          <p:cNvSpPr>
+            <a:spLocks noGrp="1"/>
+          </p:cNvSpPr>
+          <p:nvPr>
+            <p:ph type="title"/>
+          </p:nvPr>
+        </p:nvSpPr>
+        <p:spPr>
+          <a:xfrm>
+            <a:off x="228600" y="304800"/>
+            <a:ext cx="8686800" cy="1143000"/>
+          </a:xfrm>
+        </p:spPr>
+        <p:txBody>
+          <a:bodyPr/>
+          <a:lstStyle/>
+          <a:p>
+            <a:r>
+              <a:rPr lang="en-US" dirty="0" smtClean="0"/>
+              <a:t>Swift: </a:t>
+            </a:r>
+            <a:r>
+              <a:rPr lang="en-US" sz="2400" dirty="0" smtClean="0"/>
+              <a:t>Programmability for scientific </a:t>
+            </a:r>
+            <a:r>
+              <a:rPr lang="en-US" sz="2400" dirty="0" smtClean="0"/>
+              <a:t>problems</a:t>
+            </a:r>
+            <a:endParaRPr lang="en-US" sz="2400" dirty="0"/>
+          </a:p>
+        </p:txBody>
+      </p:sp>
+      <p:sp>
+        <p:nvSpPr>
+          <p:cNvPr id="3" name="Content Placeholder 2"/>
+          <p:cNvSpPr>
+            <a:spLocks noGrp="1"/>
+          </p:cNvSpPr>
+          <p:nvPr>
+            <p:ph idx="1"/>
+          </p:nvPr>
+        </p:nvSpPr>
+        <p:spPr>
+          <a:xfrm>
+            <a:off x="381000" y="1143000"/>
+            <a:ext cx="8229600" cy="4876800"/>
+          </a:xfrm>
+        </p:spPr>
+        <p:txBody>
+          <a:bodyPr/>
+          <a:lstStyle/>
+          <a:p>
+            <a:r>
+              <a:rPr lang="en-US" dirty="0" smtClean="0"/>
+              <a:t>Our focus is “many-task” computing: higher-level applications composed of many run-to-completion tasks: </a:t>
+            </a:r>
+            <a:r>
+              <a:rPr lang="en-US" dirty="0" err="1" smtClean="0">
+                <a:latin typeface="Arial Black" pitchFamily="34" charset="0"/>
+                <a:cs typeface="Aharoni" pitchFamily="2" charset="-79"/>
+              </a:rPr>
+              <a:t>input</a:t>
+            </a:r>
+            <a:r>
+              <a:rPr lang="en-US" dirty="0" err="1" smtClean="0"/>
+              <a:t>→</a:t>
+            </a:r>
+            <a:r>
+              <a:rPr lang="en-US" dirty="0" err="1" smtClean="0">
+                <a:latin typeface="Arial Black" pitchFamily="34" charset="0"/>
+                <a:cs typeface="Aharoni" pitchFamily="2" charset="-79"/>
+              </a:rPr>
+              <a:t>compute</a:t>
+            </a:r>
+            <a:r>
+              <a:rPr lang="en-US" dirty="0" err="1" smtClean="0"/>
+              <a:t>→</a:t>
+            </a:r>
+            <a:r>
+              <a:rPr lang="en-US" dirty="0" err="1" smtClean="0">
+                <a:latin typeface="Arial Black" pitchFamily="34" charset="0"/>
+                <a:cs typeface="Aharoni" pitchFamily="2" charset="-79"/>
+              </a:rPr>
+              <a:t>output</a:t>
+            </a:r>
+            <a:r>
+              <a:rPr lang="en-US" dirty="0" smtClean="0"/>
+              <a:t/>
+            </a:r>
+            <a:br>
+              <a:rPr lang="en-US" dirty="0" smtClean="0"/>
+            </a:br>
+            <a:r>
+              <a:rPr lang="en-US" dirty="0" smtClean="0"/>
+              <a:t>Message passing, data movement handled by our implementation details</a:t>
+            </a:r>
+          </a:p>
+          <a:p>
+            <a:endParaRPr lang="en-US" dirty="0" smtClean="0"/>
+          </a:p>
+          <a:p>
+            <a:r>
+              <a:rPr lang="en-US" b="1" dirty="0" smtClean="0"/>
+              <a:t>Language:</a:t>
+            </a:r>
+            <a:r>
+              <a:rPr lang="en-US" dirty="0" smtClean="0"/>
+              <a:t> Swift          </a:t>
+            </a:r>
+            <a:r>
+              <a:rPr lang="en-US" b="1" dirty="0" smtClean="0"/>
+              <a:t>Run times:</a:t>
+            </a:r>
+            <a:r>
+              <a:rPr lang="en-US" dirty="0" smtClean="0"/>
+              <a:t>  Karajan (Grid) and Turbine (HPC)</a:t>
+            </a:r>
+          </a:p>
+          <a:p>
+            <a:endParaRPr lang="en-US" dirty="0" smtClean="0"/>
+          </a:p>
+          <a:p>
+            <a:r>
+              <a:rPr lang="en-US" dirty="0" smtClean="0"/>
+              <a:t>Why is Swift relevant to scientific data analysis?</a:t>
+            </a:r>
+          </a:p>
+          <a:p>
+            <a:pPr lvl="1"/>
+            <a:r>
+              <a:rPr lang="en-US" dirty="0" smtClean="0"/>
+              <a:t>Programmability</a:t>
+            </a:r>
+          </a:p>
+          <a:p>
+            <a:pPr lvl="2"/>
+            <a:r>
+              <a:rPr lang="en-US" dirty="0" smtClean="0"/>
+              <a:t>Natural fit for workflow patterns, data-local processing</a:t>
+            </a:r>
+          </a:p>
+          <a:p>
+            <a:pPr lvl="2"/>
+            <a:r>
+              <a:rPr lang="en-US" dirty="0" smtClean="0"/>
+              <a:t>Coupling large-scale applications to preprocessing, analysis, and visualization</a:t>
+            </a:r>
+          </a:p>
+          <a:p>
+            <a:pPr lvl="1"/>
+            <a:r>
+              <a:rPr lang="en-US" dirty="0" smtClean="0"/>
+              <a:t>Resilience</a:t>
+            </a:r>
+          </a:p>
+          <a:p>
+            <a:pPr lvl="2"/>
+            <a:r>
+              <a:rPr lang="en-US" dirty="0" smtClean="0"/>
+              <a:t>The functional programming model allows for re-execution of failed tasks</a:t>
+            </a:r>
+          </a:p>
+          <a:p>
+            <a:pPr lvl="1"/>
+            <a:r>
+              <a:rPr lang="en-US" dirty="0" smtClean="0"/>
+              <a:t>Portable/scalable</a:t>
+            </a:r>
+          </a:p>
+          <a:p>
+            <a:pPr lvl="2"/>
+            <a:r>
+              <a:rPr lang="en-US" dirty="0" smtClean="0"/>
+              <a:t>Common technologies work well on clusters, grids, and the largest supercomputers</a:t>
+            </a:r>
+          </a:p>
+        </p:txBody>
+      </p:sp>
+      <p:sp>
+        <p:nvSpPr>
+          <p:cNvPr id="4" name="Footer Placeholder 3"/>
+          <p:cNvSpPr>
+            <a:spLocks noGrp="1"/>
+          </p:cNvSpPr>
+          <p:nvPr>
+            <p:ph type="ftr" sz="quarter" idx="11"/>
+          </p:nvPr>
+        </p:nvSpPr>
+        <p:spPr/>
+        <p:txBody>
+          <a:bodyPr/>
+          <a:lstStyle/>
+          <a:p>
+            <a:pPr>
+              <a:defRPr/>
+            </a:pPr>
+            <a:r>
+              <a:rPr lang="en-US" smtClean="0"/>
+              <a:t>Wozniak - Swift</a:t>
+            </a:r>
+            <a:endParaRPr lang="en-US"/>
+          </a:p>
+        </p:txBody>
+      </p:sp>
+      <p:sp>
+        <p:nvSpPr>
+          <p:cNvPr id="5" name="Slide Number Placeholder 4"/>
+          <p:cNvSpPr>
+            <a:spLocks noGrp="1"/>
+          </p:cNvSpPr>
+          <p:nvPr>
+            <p:ph type="sldNum" sz="quarter" idx="12"/>
+          </p:nvPr>
+        </p:nvSpPr>
+        <p:spPr/>
+        <p:txBody>
+          <a:bodyPr/>
+          <a:lstStyle/>
+          <a:p>
+            <a:pPr>
+              <a:defRPr/>
+            </a:pPr>
+            <a:fld id="{8BEE434E-B384-A245-84B1-C534A8D54264}" type="slidenum">
+              <a:rPr lang="en-US" smtClean="0"/>
+              <a:pPr>
+                <a:defRPr/>
+              </a:pPr>
+              <a:t>4</a:t>
+            </a:fld>
+            <a:endParaRPr lang="en-US"/>
+          </a:p>
+        </p:txBody>
+      </p:sp>
+    </p:spTree>
+    <p:extLst>
+      <p:ext uri="{BB962C8B-B14F-4D97-AF65-F5344CB8AC3E}">
+        <p14:creationId xmlns:p14="http://schemas.microsoft.com/office/powerpoint/2010/main" val="3121360225"/>
+      </p:ext>
+    </p:extLst>
+  </p:cSld>
+  <p:clrMapOvr>
+    <a:masterClrMapping/>
+  </p:clrMapOvr>
+  <p:timing>
+    <p:tnLst>
+      <p:par>
+        <p:cTn id="1" dur="indefinite" restart="never" nodeType="tmRoot"/>
+      </p:par>
+    </p:tnLst>
+  </p:timing>
+</p:sld>
+</file>
+
+<file path=ppt/slides/slide5.xml><?xml version="1.0" encoding="utf-8"?>
+<p:sld xmlns:a="http://schemas.openxmlformats.org/drawingml/2006/main" xmlns:r="http://schemas.openxmlformats.org/officeDocument/2006/relationships" xmlns:p="http://schemas.openxmlformats.org/presentationml/2006/main">
+  <p:cSld>
+    <p:spTree>
+      <p:nvGrpSpPr>
+        <p:cNvPr id="1" name=""/>
+        <p:cNvGrpSpPr/>
+        <p:nvPr/>
+      </p:nvGrpSpPr>
+      <p:grpSpPr>
+        <a:xfrm>
+          <a:off x="0" y="0"/>
+          <a:ext cx="0" cy="0"/>
+          <a:chOff x="0" y="0"/>
+          <a:chExt cx="0" cy="0"/>
+        </a:xfrm>
+      </p:grpSpPr>
+      <p:sp>
+        <p:nvSpPr>
+          <p:cNvPr id="2" name="Title 1"/>
+          <p:cNvSpPr>
+            <a:spLocks noGrp="1"/>
+          </p:cNvSpPr>
+          <p:nvPr>
+            <p:ph type="title"/>
+          </p:nvPr>
+        </p:nvSpPr>
+        <p:spPr/>
+        <p:txBody>
+          <a:bodyPr/>
+          <a:lstStyle/>
+          <a:p>
+            <a:r>
+              <a:rPr lang="en-US" smtClean="0"/>
+              <a:t>Basic scalability – Python tasks</a:t>
+            </a:r>
+            <a:endParaRPr lang="en-US" dirty="0"/>
+          </a:p>
+        </p:txBody>
+      </p:sp>
+      <p:sp>
+        <p:nvSpPr>
+          <p:cNvPr id="3" name="Slide Number Placeholder 2"/>
+          <p:cNvSpPr>
+            <a:spLocks noGrp="1"/>
+          </p:cNvSpPr>
+          <p:nvPr>
+            <p:ph type="sldNum" sz="quarter" idx="12"/>
+          </p:nvPr>
+        </p:nvSpPr>
+        <p:spPr/>
+        <p:txBody>
+          <a:bodyPr/>
+          <a:lstStyle/>
+          <a:p>
+            <a:pPr>
+              <a:defRPr/>
+            </a:pPr>
+            <a:fld id="{BD815F56-630E-7E4B-8F2C-15A1EE33C21F}" type="slidenum">
+              <a:rPr lang="en-US" smtClean="0"/>
+              <a:pPr>
+                <a:defRPr/>
+              </a:pPr>
+              <a:t>5</a:t>
+            </a:fld>
+            <a:endParaRPr lang="en-US"/>
+          </a:p>
+        </p:txBody>
+      </p:sp>
+      <p:pic>
+        <p:nvPicPr>
+          <p:cNvPr id="11266" name="Picture 2" descr="C:\cygwin\home\justin\exm\papers\PyHPC_2013\plots\python-bw-rate.png"/>
+          <p:cNvPicPr>
+            <a:picLocks noChangeAspect="1" noChangeArrowheads="1"/>
+          </p:cNvPicPr>
+          <p:nvPr/>
+        </p:nvPicPr>
+        <p:blipFill>
+          <a:blip r:embed="rId2">
+            <a:extLst>
+              <a:ext uri="{28A0092B-C50C-407E-A947-70E740481C1C}">
+                <a14:useLocalDpi xmlns:a14="http://schemas.microsoft.com/office/drawing/2010/main" val="0"/>
+              </a:ext>
+            </a:extLst>
+          </a:blip>
+          <a:srcRect/>
+          <a:stretch>
+            <a:fillRect/>
+          </a:stretch>
+        </p:blipFill>
+        <p:spPr bwMode="auto">
+          <a:xfrm>
+            <a:off x="577850" y="1219200"/>
+            <a:ext cx="7366000" cy="4419600"/>
+          </a:xfrm>
+          <a:prstGeom prst="rect">
+            <a:avLst/>
+          </a:prstGeom>
+          <a:noFill/>
+          <a:extLst>
+            <a:ext uri="{909E8E84-426E-40DD-AFC4-6F175D3DCCD1}">
+              <a14:hiddenFill xmlns:a14="http://schemas.microsoft.com/office/drawing/2010/main">
+                <a:solidFill>
+                  <a:srgbClr val="FFFFFF"/>
+                </a:solidFill>
+              </a14:hiddenFill>
+            </a:ext>
+          </a:extLst>
+        </p:spPr>
+      </p:pic>
+      <p:sp>
+        <p:nvSpPr>
+          <p:cNvPr id="4" name="Rectangle 3"/>
+          <p:cNvSpPr/>
+          <p:nvPr/>
+        </p:nvSpPr>
+        <p:spPr>
+          <a:xfrm>
+            <a:off x="1219200" y="5809565"/>
+            <a:ext cx="6858000" cy="646331"/>
+          </a:xfrm>
+          <a:prstGeom prst="rect">
+            <a:avLst/>
+          </a:prstGeom>
+        </p:spPr>
+        <p:txBody>
+          <a:bodyPr wrap="square">
+            <a:spAutoFit/>
+          </a:bodyPr>
+          <a:lstStyle/>
+          <a:p>
+            <a:pPr marL="285750" indent="-285750">
+              <a:buFont typeface="Arial" panose="020B0604020202020204" pitchFamily="34" charset="0"/>
+              <a:buChar char="•"/>
+            </a:pPr>
+            <a:r>
+              <a:rPr lang="en-GB" smtClean="0"/>
+              <a:t>Swift/T: up </a:t>
+            </a:r>
+            <a:r>
+              <a:rPr lang="en-GB" dirty="0" smtClean="0"/>
+              <a:t>to 2 billion tasks  on 65,536 cores of Blue Waters, so far</a:t>
+            </a:r>
+            <a:endParaRPr lang="en-GB" dirty="0"/>
+          </a:p>
+          <a:p>
+            <a:endParaRPr lang="en-US" dirty="0"/>
+          </a:p>
+        </p:txBody>
+      </p:sp>
+      <p:sp>
+        <p:nvSpPr>
+          <p:cNvPr id="5" name="Footer Placeholder 4"/>
+          <p:cNvSpPr>
+            <a:spLocks noGrp="1"/>
+          </p:cNvSpPr>
+          <p:nvPr>
+            <p:ph type="ftr" sz="quarter" idx="11"/>
+          </p:nvPr>
+        </p:nvSpPr>
+        <p:spPr>
+          <a:xfrm>
+            <a:off x="657225" y="6248400"/>
+            <a:ext cx="5942013" cy="228600"/>
+          </a:xfrm>
+        </p:spPr>
+        <p:txBody>
+          <a:bodyPr/>
+          <a:lstStyle/>
+          <a:p>
+            <a:pPr>
+              <a:defRPr/>
+            </a:pPr>
+            <a:r>
+              <a:rPr lang="en-US" sz="1400" dirty="0" smtClean="0"/>
+              <a:t>Wozniak - Swift</a:t>
+            </a:r>
+            <a:endParaRPr lang="en-US" sz="1400" dirty="0"/>
+          </a:p>
+        </p:txBody>
+      </p:sp>
+    </p:spTree>
+    <p:extLst>
+      <p:ext uri="{BB962C8B-B14F-4D97-AF65-F5344CB8AC3E}">
+        <p14:creationId xmlns:p14="http://schemas.microsoft.com/office/powerpoint/2010/main" val="3976863968"/>
+      </p:ext>
+    </p:extLst>
+  </p:cSld>
+  <p:clrMapOvr>
+    <a:masterClrMapping/>
+  </p:clrMapOvr>
+  <p:timing>
+    <p:tnLst>
+      <p:par>
+        <p:cTn id="1" dur="indefinite" restart="never" nodeType="tmRoot"/>
+      </p:par>
+    </p:tnLst>
+  </p:timing>
+</p:sld>
+</file>
+
+<file path=ppt/slides/slide6.xml><?xml version="1.0" encoding="utf-8"?>
+<p:sld xmlns:a="http://schemas.openxmlformats.org/drawingml/2006/main" xmlns:r="http://schemas.openxmlformats.org/officeDocument/2006/relationships" xmlns:p="http://schemas.openxmlformats.org/presentationml/2006/main">
+  <p:cSld>
+    <p:spTree>
+      <p:nvGrpSpPr>
+        <p:cNvPr id="1" name=""/>
+        <p:cNvGrpSpPr/>
+        <p:nvPr/>
+      </p:nvGrpSpPr>
+      <p:grpSpPr>
+        <a:xfrm>
+          <a:off x="0" y="0"/>
+          <a:ext cx="0" cy="0"/>
+          <a:chOff x="0" y="0"/>
+          <a:chExt cx="0" cy="0"/>
+        </a:xfrm>
+      </p:grpSpPr>
+      <p:sp>
+        <p:nvSpPr>
+          <p:cNvPr id="2" name="Title 1"/>
+          <p:cNvSpPr>
+            <a:spLocks noGrp="1"/>
+          </p:cNvSpPr>
+          <p:nvPr>
+            <p:ph type="title"/>
+          </p:nvPr>
+        </p:nvSpPr>
+        <p:spPr/>
+        <p:txBody>
+          <a:bodyPr/>
+          <a:lstStyle/>
+          <a:p>
+            <a:r>
+              <a:rPr lang="en-US" smtClean="0"/>
+              <a:t>Data ingest/analysis/archive</a:t>
+            </a:r>
+            <a:endParaRPr lang="en-US"/>
+          </a:p>
+        </p:txBody>
+      </p:sp>
+      <p:sp>
+        <p:nvSpPr>
+          <p:cNvPr id="3" name="Content Placeholder 2"/>
+          <p:cNvSpPr>
+            <a:spLocks noGrp="1"/>
+          </p:cNvSpPr>
+          <p:nvPr>
+            <p:ph idx="1"/>
+          </p:nvPr>
+        </p:nvSpPr>
+        <p:spPr/>
+        <p:txBody>
+          <a:bodyPr/>
+          <a:lstStyle/>
+          <a:p>
+            <a:endParaRPr lang="en-US"/>
+          </a:p>
+        </p:txBody>
+      </p:sp>
+      <p:sp>
+        <p:nvSpPr>
+          <p:cNvPr id="4" name="Slide Number Placeholder 3"/>
+          <p:cNvSpPr>
+            <a:spLocks noGrp="1"/>
+          </p:cNvSpPr>
+          <p:nvPr>
+            <p:ph type="sldNum" sz="quarter" idx="12"/>
+          </p:nvPr>
+        </p:nvSpPr>
+        <p:spPr/>
+        <p:txBody>
+          <a:bodyPr/>
+          <a:lstStyle/>
+          <a:p>
+            <a:pPr>
+              <a:defRPr/>
+            </a:pPr>
+            <a:fld id="{8BEE434E-B384-A245-84B1-C534A8D54264}" type="slidenum">
+              <a:rPr lang="en-US" smtClean="0"/>
+              <a:pPr>
+                <a:defRPr/>
+              </a:pPr>
+              <a:t>6</a:t>
             </a:fld>
             <a:endParaRPr lang="en-US"/>
           </a:p>
@@ -5119,6 +6372,62 @@
               <a:t>27 TB. </a:t>
             </a:r>
             <a:endParaRPr lang="en-US" sz="2000" b="1"/>
+          </a:p>
+        </p:txBody>
+      </p:sp>
+      <p:sp>
+        <p:nvSpPr>
+          <p:cNvPr id="5" name="TextBox 4"/>
+          <p:cNvSpPr txBox="1"/>
+          <p:nvPr/>
+        </p:nvSpPr>
+        <p:spPr>
+          <a:xfrm>
+            <a:off x="7293470" y="4953000"/>
+            <a:ext cx="1393330" cy="369332"/>
+          </a:xfrm>
+          <a:prstGeom prst="rect">
+            <a:avLst/>
+          </a:prstGeom>
+          <a:noFill/>
+        </p:spPr>
+        <p:txBody>
+          <a:bodyPr wrap="none" rtlCol="0">
+            <a:spAutoFit/>
+          </a:bodyPr>
+          <a:lstStyle/>
+          <a:p>
+            <a:r>
+              <a:rPr lang="en-US" b="1" dirty="0" smtClean="0"/>
+              <a:t>20x speedup</a:t>
+            </a:r>
+            <a:endParaRPr lang="en-US" b="1" dirty="0"/>
+          </a:p>
+        </p:txBody>
+      </p:sp>
+      <p:sp>
+        <p:nvSpPr>
+          <p:cNvPr id="6" name="Footer Placeholder 5"/>
+          <p:cNvSpPr>
+            <a:spLocks noGrp="1"/>
+          </p:cNvSpPr>
+          <p:nvPr>
+            <p:ph type="ftr" sz="quarter" idx="11"/>
+          </p:nvPr>
+        </p:nvSpPr>
+        <p:spPr/>
+        <p:txBody>
+          <a:bodyPr/>
+          <a:lstStyle/>
+          <a:p>
+            <a:pPr>
+              <a:defRPr/>
+            </a:pPr>
+            <a:r>
+              <a:rPr lang="en-US" smtClean="0"/>
+              <a:t>Wozniak - Swift</a:t>
+            </a:r>
+            <a:endParaRPr lang="en-US"/>
           </a:p>
         </p:txBody>
       </p:sp>
@@ -5263,7 +6572,7 @@
 </p:sld>
 </file>
 
-<file path=ppt/slides/slide2.xml><?xml version="1.0" encoding="utf-8"?>
+<file path=ppt/slides/slide7.xml><?xml version="1.0" encoding="utf-8"?>
 <p:sld xmlns:a="http://schemas.openxmlformats.org/drawingml/2006/main" xmlns:r="http://schemas.openxmlformats.org/officeDocument/2006/relationships" xmlns:p="http://schemas.openxmlformats.org/presentationml/2006/main">
   <p:cSld>
     <p:spTree>
@@ -5282,6 +6591,29 @@
       </p:grpSpPr>
       <p:sp>
         <p:nvSpPr>
+          <p:cNvPr id="2" name="Title 1"/>
+          <p:cNvSpPr>
+            <a:spLocks noGrp="1"/>
+          </p:cNvSpPr>
+          <p:nvPr>
+            <p:ph type="title"/>
+          </p:nvPr>
+        </p:nvSpPr>
+        <p:spPr/>
+        <p:txBody>
+          <a:bodyPr/>
+          <a:lstStyle/>
+          <a:p>
+            <a:r>
+              <a:rPr lang="en-US" smtClean="0"/>
+              <a:t>Crystal Coordinate Transformation Workflow</a:t>
+            </a:r>
+            <a:endParaRPr lang="en-US"/>
+          </a:p>
+        </p:txBody>
+      </p:sp>
+      <p:sp>
+        <p:nvSpPr>
           <p:cNvPr id="3" name="Content Placeholder 2"/>
           <p:cNvSpPr>
             <a:spLocks noGrp="1"/>
@@ -5296,12 +6628,49 @@
           <a:lstStyle/>
           <a:p>
             <a:endParaRPr lang="en-US"/>
+          </a:p>
+        </p:txBody>
+      </p:sp>
+      <p:sp>
+        <p:nvSpPr>
+          <p:cNvPr id="4" name="Slide Number Placeholder 3"/>
+          <p:cNvSpPr>
+            <a:spLocks noGrp="1"/>
+          </p:cNvSpPr>
+          <p:nvPr>
+            <p:ph type="sldNum" sz="quarter" idx="12"/>
+          </p:nvPr>
+        </p:nvSpPr>
+        <p:spPr/>
+        <p:txBody>
+          <a:bodyPr/>
+          <a:lstStyle/>
+          <a:p>
+            <a:pPr>
+              <a:defRPr/>
+            </a:pPr>
+            <a:fld id="{8BEE434E-B384-A245-84B1-C534A8D54264}" type="slidenum">
+              <a:rPr lang="en-US" smtClean="0">
+                <a:solidFill>
+                  <a:srgbClr val="404040"/>
+                </a:solidFill>
+              </a:rPr>
+              <a:pPr>
+                <a:defRPr/>
+              </a:pPr>
+              <a:t>7</a:t>
+            </a:fld>
+            <a:endParaRPr lang="en-US">
+              <a:solidFill>
+                <a:srgbClr val="404040"/>
+              </a:solidFill>
+            </a:endParaRPr>
           </a:p>
         </p:txBody>
       </p:sp>
       <p:pic>
         <p:nvPicPr>
-          <p:cNvPr id="1026" name="Picture 2" descr="C:\Documents and Settings\wozniak\My Documents\Downloads\DIFFEV Flowchart.png"/>
+          <p:cNvPr id="41986" name="Picture 2" descr="C:\cygwin\home\wozniak\mcs\pubs\slides\CCL_2013\-Xcavate- Crystal Coordinate transformation workflow in Swift-T.png"/>
           <p:cNvPicPr>
             <a:picLocks noChangeAspect="1" noChangeArrowheads="1"/>
           </p:cNvPicPr>
@@ -5316,8 +6685,8 @@
         </p:blipFill>
         <p:spPr bwMode="auto">
           <a:xfrm>
-            <a:off x="609600" y="914400"/>
-            <a:ext cx="7391400" cy="5644075"/>
+            <a:off x="304800" y="1219200"/>
+            <a:ext cx="8775206" cy="4648200"/>
           </a:xfrm>
           <a:prstGeom prst="rect">
             <a:avLst/>
@@ -5327,57 +6696,199 @@
       </p:pic>
       <p:sp>
         <p:nvSpPr>
-          <p:cNvPr id="7" name="TextBox 6"/>
-          <p:cNvSpPr txBox="1"/>
+          <p:cNvPr id="5" name="Footer Placeholder 4"/>
+          <p:cNvSpPr>
+            <a:spLocks noGrp="1"/>
+          </p:cNvSpPr>
+          <p:nvPr>
+            <p:ph type="ftr" sz="quarter" idx="11"/>
+          </p:nvPr>
+        </p:nvSpPr>
+        <p:spPr/>
+        <p:txBody>
+          <a:bodyPr/>
+          <a:lstStyle/>
+          <a:p>
+            <a:pPr>
+              <a:defRPr/>
+            </a:pPr>
+            <a:r>
+              <a:rPr lang="en-US" smtClean="0"/>
+              <a:t>Wozniak - Swift</a:t>
+            </a:r>
+            <a:endParaRPr lang="en-US"/>
+          </a:p>
+        </p:txBody>
+      </p:sp>
+    </p:spTree>
+    <p:extLst>
+      <p:ext uri="{BB962C8B-B14F-4D97-AF65-F5344CB8AC3E}">
+        <p14:creationId xmlns:p14="http://schemas.microsoft.com/office/powerpoint/2010/main" val="2822248991"/>
+      </p:ext>
+    </p:extLst>
+  </p:cSld>
+  <p:clrMapOvr>
+    <a:masterClrMapping/>
+  </p:clrMapOvr>
+  <p:timing>
+    <p:tnLst>
+      <p:par>
+        <p:cTn id="1" dur="indefinite" restart="never" nodeType="tmRoot"/>
+      </p:par>
+    </p:tnLst>
+  </p:timing>
+</p:sld>
+</file>
+
+<file path=ppt/slides/slide8.xml><?xml version="1.0" encoding="utf-8"?>
+<p:sld xmlns:a="http://schemas.openxmlformats.org/drawingml/2006/main" xmlns:r="http://schemas.openxmlformats.org/officeDocument/2006/relationships" xmlns:p="http://schemas.openxmlformats.org/presentationml/2006/main">
+  <p:cSld>
+    <p:spTree>
+      <p:nvGrpSpPr>
+        <p:cNvPr id="1" name=""/>
+        <p:cNvGrpSpPr/>
+        <p:nvPr/>
+      </p:nvGrpSpPr>
+      <p:grpSpPr>
+        <a:xfrm>
+          <a:off x="0" y="0"/>
+          <a:ext cx="0" cy="0"/>
+          <a:chOff x="0" y="0"/>
+          <a:chExt cx="0" cy="0"/>
+        </a:xfrm>
+      </p:grpSpPr>
+      <p:sp>
+        <p:nvSpPr>
+          <p:cNvPr id="3" name="Content Placeholder 2"/>
+          <p:cNvSpPr>
+            <a:spLocks noGrp="1"/>
+          </p:cNvSpPr>
+          <p:nvPr>
+            <p:ph idx="1"/>
+          </p:nvPr>
+        </p:nvSpPr>
+        <p:spPr/>
+        <p:txBody>
+          <a:bodyPr/>
+          <a:lstStyle/>
+          <a:p>
+            <a:endParaRPr lang="en-US" dirty="0"/>
+          </a:p>
+        </p:txBody>
+      </p:sp>
+      <p:pic>
+        <p:nvPicPr>
+          <p:cNvPr id="2050" name="Picture 2" descr="C:\Users\justin\Downloads\DIFFEV Flowchart.png"/>
+          <p:cNvPicPr>
+            <a:picLocks noChangeAspect="1" noChangeArrowheads="1"/>
+          </p:cNvPicPr>
           <p:nvPr/>
-        </p:nvSpPr>
-        <p:spPr>
+        </p:nvPicPr>
+        <p:blipFill>
+          <a:blip r:embed="rId2">
+            <a:extLst>
+              <a:ext uri="{28A0092B-C50C-407E-A947-70E740481C1C}">
+                <a14:useLocalDpi xmlns:a14="http://schemas.microsoft.com/office/drawing/2010/main" val="0"/>
+              </a:ext>
+            </a:extLst>
+          </a:blip>
+          <a:srcRect/>
+          <a:stretch>
+            <a:fillRect/>
+          </a:stretch>
+        </p:blipFill>
+        <p:spPr bwMode="auto">
           <a:xfrm>
-            <a:off x="5486400" y="4313872"/>
-            <a:ext cx="2347373" cy="1477328"/>
+            <a:off x="762000" y="832924"/>
+            <a:ext cx="7391400" cy="5644076"/>
           </a:xfrm>
           <a:prstGeom prst="rect">
             <a:avLst/>
           </a:prstGeom>
           <a:noFill/>
-        </p:spPr>
-        <p:txBody>
-          <a:bodyPr wrap="none" rtlCol="0">
+          <a:extLst>
+            <a:ext uri="{909E8E84-426E-40DD-AFC4-6F175D3DCCD1}">
+              <a14:hiddenFill xmlns:a14="http://schemas.microsoft.com/office/drawing/2010/main">
+                <a:solidFill>
+                  <a:srgbClr val="FFFFFF"/>
+                </a:solidFill>
+              </a14:hiddenFill>
+            </a:ext>
+          </a:extLst>
+        </p:spPr>
+      </p:pic>
+      <p:sp>
+        <p:nvSpPr>
+          <p:cNvPr id="7" name="TextBox 6"/>
+          <p:cNvSpPr txBox="1"/>
+          <p:nvPr/>
+        </p:nvSpPr>
+        <p:spPr>
+          <a:xfrm>
+            <a:off x="5486400" y="4313872"/>
+            <a:ext cx="2514600" cy="1754326"/>
+          </a:xfrm>
+          <a:prstGeom prst="rect">
+            <a:avLst/>
+          </a:prstGeom>
+          <a:noFill/>
+        </p:spPr>
+        <p:txBody>
+          <a:bodyPr wrap="square" rtlCol="0">
             <a:spAutoFit/>
           </a:bodyPr>
           <a:lstStyle/>
           <a:p>
             <a:pPr algn="ctr"/>
             <a:r>
-              <a:rPr lang="en-US" smtClean="0"/>
+              <a:rPr lang="en-US" dirty="0" smtClean="0"/>
               <a:t>Potential concurrency: </a:t>
             </a:r>
             <a:br>
-              <a:rPr lang="en-US" smtClean="0"/>
+              <a:rPr lang="en-US" dirty="0" smtClean="0"/>
             </a:br>
             <a:r>
-              <a:rPr lang="en-US" smtClean="0"/>
+              <a:rPr lang="en-US" b="1" dirty="0" smtClean="0"/>
               <a:t>100,000 cores</a:t>
             </a:r>
           </a:p>
           <a:p>
             <a:pPr algn="ctr"/>
-            <a:endParaRPr lang="en-US" smtClean="0"/>
+            <a:endParaRPr lang="en-US" dirty="0" smtClean="0"/>
           </a:p>
           <a:p>
             <a:pPr algn="ctr"/>
             <a:r>
-              <a:rPr lang="en-US" smtClean="0"/>
+              <a:rPr lang="en-US" dirty="0" smtClean="0"/>
               <a:t>Application by </a:t>
             </a:r>
             <a:br>
-              <a:rPr lang="en-US" smtClean="0"/>
+              <a:rPr lang="en-US" dirty="0" smtClean="0"/>
             </a:br>
             <a:r>
-              <a:rPr lang="en-US" smtClean="0"/>
-              <a:t>Reinhard Neder</a:t>
-            </a:r>
-            <a:endParaRPr lang="en-US"/>
+              <a:rPr lang="en-US" dirty="0" err="1" smtClean="0"/>
+              <a:t>Reinhard</a:t>
+            </a:r>
+            <a:r>
+              <a:rPr lang="en-US" dirty="0" smtClean="0"/>
+              <a:t> </a:t>
+            </a:r>
+            <a:r>
+              <a:rPr lang="en-US" dirty="0" err="1" smtClean="0"/>
+              <a:t>Neder</a:t>
+            </a:r>
+            <a:r>
+              <a:rPr lang="en-US" dirty="0"/>
+              <a:t/>
+            </a:r>
+            <a:br>
+              <a:rPr lang="en-US" dirty="0"/>
+            </a:br>
+            <a:r>
+              <a:rPr lang="en-US" dirty="0" smtClean="0"/>
+              <a:t>(U. Erlangen)</a:t>
+            </a:r>
+            <a:endParaRPr lang="en-US" dirty="0"/>
           </a:p>
         </p:txBody>
       </p:sp>
@@ -5427,7 +6938,7 @@
               <a:pPr>
                 <a:defRPr/>
               </a:pPr>
-              <a:t>2</a:t>
+              <a:t>8</a:t>
             </a:fld>
             <a:endParaRPr lang="en-US"/>
           </a:p>
@@ -5441,8 +6952,8 @@
         </p:nvSpPr>
         <p:spPr bwMode="auto">
           <a:xfrm>
-            <a:off x="4419600" y="3505200"/>
-            <a:ext cx="4724400" cy="2982351"/>
+            <a:off x="4428066" y="3352801"/>
+            <a:ext cx="4868333" cy="3505200"/>
           </a:xfrm>
           <a:prstGeom prst="irregularSeal2">
             <a:avLst/>
@@ -5469,10 +6980,41 @@
           <a:p>
             <a:pPr algn="ctr"/>
             <a:r>
-              <a:rPr lang="en-US" b="1" smtClean="0"/>
+              <a:rPr lang="en-US" b="1" dirty="0" smtClean="0"/>
               <a:t>Novel application composed from existing libraries by domain expert!</a:t>
             </a:r>
-            <a:endParaRPr lang="en-US" b="1"/>
+            <a:endParaRPr lang="en-US" b="1" dirty="0"/>
+          </a:p>
+        </p:txBody>
+      </p:sp>
+      <p:sp>
+        <p:nvSpPr>
+          <p:cNvPr id="10" name="Footer Placeholder 4"/>
+          <p:cNvSpPr>
+            <a:spLocks noGrp="1"/>
+          </p:cNvSpPr>
+          <p:nvPr>
+            <p:ph type="ftr" sz="quarter" idx="11"/>
+          </p:nvPr>
+        </p:nvSpPr>
+        <p:spPr>
+          <a:xfrm>
+            <a:off x="7391401" y="6248400"/>
+            <a:ext cx="1524000" cy="228600"/>
+          </a:xfrm>
+        </p:spPr>
+        <p:txBody>
+          <a:bodyPr/>
+          <a:lstStyle/>
+          <a:p>
+            <a:pPr>
+              <a:defRPr/>
+            </a:pPr>
+            <a:r>
+              <a:rPr lang="en-US" smtClean="0"/>
+              <a:t>Wozniak - Swift</a:t>
+            </a:r>
+            <a:endParaRPr lang="en-US"/>
           </a:p>
         </p:txBody>
       </p:sp>
